--- a/Summary-SID.pptx
+++ b/Summary-SID.pptx
@@ -3643,36 +3643,6 @@
           </a:p>
         </p:txBody>
       </p:sp>
-      <p:pic>
-        <p:nvPicPr>
-          <p:cNvPr id="11" name="Picture 10">
-            <a:extLst>
-              <a:ext uri="{FF2B5EF4-FFF2-40B4-BE49-F238E27FC236}">
-                <a16:creationId xmlns:a16="http://schemas.microsoft.com/office/drawing/2014/main" id="{6A683F37-EC66-4E8E-BF05-08CDA4A67FB4}"/>
-              </a:ext>
-            </a:extLst>
-          </p:cNvPr>
-          <p:cNvPicPr>
-            <a:picLocks noChangeAspect="1"/>
-          </p:cNvPicPr>
-          <p:nvPr/>
-        </p:nvPicPr>
-        <p:blipFill>
-          <a:blip r:embed="rId4"/>
-          <a:stretch>
-            <a:fillRect/>
-          </a:stretch>
-        </p:blipFill>
-        <p:spPr>
-          <a:xfrm>
-            <a:off x="152400" y="4833226"/>
-            <a:ext cx="4495800" cy="926368"/>
-          </a:xfrm>
-          <a:prstGeom prst="rect">
-            <a:avLst/>
-          </a:prstGeom>
-        </p:spPr>
-      </p:pic>
       <p:sp>
         <p:nvSpPr>
           <p:cNvPr id="12" name="TextBox 11">
@@ -3703,11 +3673,41 @@
           <a:p>
             <a:r>
               <a:rPr lang="en-US" i="0" dirty="0"/>
-              <a:t>98% for 10000 images</a:t>
+              <a:t>98% for 1000 images</a:t>
             </a:r>
           </a:p>
         </p:txBody>
       </p:sp>
+      <p:pic>
+        <p:nvPicPr>
+          <p:cNvPr id="4" name="Picture 3">
+            <a:extLst>
+              <a:ext uri="{FF2B5EF4-FFF2-40B4-BE49-F238E27FC236}">
+                <a16:creationId xmlns:a16="http://schemas.microsoft.com/office/drawing/2014/main" id="{EC33C665-A656-4F91-B20C-E8E8F1506DE3}"/>
+              </a:ext>
+            </a:extLst>
+          </p:cNvPr>
+          <p:cNvPicPr>
+            <a:picLocks noChangeAspect="1"/>
+          </p:cNvPicPr>
+          <p:nvPr/>
+        </p:nvPicPr>
+        <p:blipFill>
+          <a:blip r:embed="rId4"/>
+          <a:stretch>
+            <a:fillRect/>
+          </a:stretch>
+        </p:blipFill>
+        <p:spPr>
+          <a:xfrm>
+            <a:off x="152401" y="4828623"/>
+            <a:ext cx="4343400" cy="978069"/>
+          </a:xfrm>
+          <a:prstGeom prst="rect">
+            <a:avLst/>
+          </a:prstGeom>
+        </p:spPr>
+      </p:pic>
     </p:spTree>
     <p:extLst>
       <p:ext uri="{BB962C8B-B14F-4D97-AF65-F5344CB8AC3E}">
